--- a/ppt 16-9/1148.有一地方.pptx
+++ b/ppt 16-9/1148.有一地方.pptx
@@ -5,7 +5,7 @@
     <p:sldMasterId id="2147483648" r:id="rId1"/>
   </p:sldMasterIdLst>
   <p:sldIdLst>
-    <p:sldId id="642" r:id="rId2"/>
+    <p:sldId id="643" r:id="rId2"/>
   </p:sldIdLst>
   <p:sldSz cx="12192000" cy="6858000"/>
   <p:notesSz cx="6858000" cy="9144000"/>
@@ -129,7 +129,7 @@
           <p:cNvPr id="2" name="标题 1">
             <a:extLst>
               <a:ext uri="{FF2B5EF4-FFF2-40B4-BE49-F238E27FC236}">
-                <a16:creationId xmlns:a16="http://schemas.microsoft.com/office/drawing/2014/main" id="{4E2A13F3-3AB1-2715-0B1E-D0EF00DFE29A}"/>
+                <a16:creationId xmlns:a16="http://schemas.microsoft.com/office/drawing/2014/main" id="{E6CD2557-B63C-3808-5490-A457AF40BDCA}"/>
               </a:ext>
             </a:extLst>
           </p:cNvPr>
@@ -166,7 +166,7 @@
           <p:cNvPr id="3" name="副标题 2">
             <a:extLst>
               <a:ext uri="{FF2B5EF4-FFF2-40B4-BE49-F238E27FC236}">
-                <a16:creationId xmlns:a16="http://schemas.microsoft.com/office/drawing/2014/main" id="{C6A8DDFD-D477-C920-EAA9-AD8412CD148E}"/>
+                <a16:creationId xmlns:a16="http://schemas.microsoft.com/office/drawing/2014/main" id="{D7E7DB97-59E4-B18B-2FAE-FC04F0530C74}"/>
               </a:ext>
             </a:extLst>
           </p:cNvPr>
@@ -236,7 +236,7 @@
           <p:cNvPr id="4" name="日期占位符 3">
             <a:extLst>
               <a:ext uri="{FF2B5EF4-FFF2-40B4-BE49-F238E27FC236}">
-                <a16:creationId xmlns:a16="http://schemas.microsoft.com/office/drawing/2014/main" id="{D302AC30-B516-2FEC-3418-51CF158B954A}"/>
+                <a16:creationId xmlns:a16="http://schemas.microsoft.com/office/drawing/2014/main" id="{81C4B40A-4262-2268-048B-1073C8C7924E}"/>
               </a:ext>
             </a:extLst>
           </p:cNvPr>
@@ -252,7 +252,7 @@
           <a:bodyPr/>
           <a:lstStyle/>
           <a:p>
-            <a:fld id="{3D49FD9E-5D97-42BE-A40D-F6DA739D3142}" type="datetimeFigureOut">
+            <a:fld id="{53146874-3451-4FCE-95C4-05D95E764ACA}" type="datetimeFigureOut">
               <a:rPr lang="zh-CN" altLang="en-US" smtClean="0"/>
               <a:t>2024/3/10</a:t>
             </a:fld>
@@ -265,7 +265,7 @@
           <p:cNvPr id="5" name="页脚占位符 4">
             <a:extLst>
               <a:ext uri="{FF2B5EF4-FFF2-40B4-BE49-F238E27FC236}">
-                <a16:creationId xmlns:a16="http://schemas.microsoft.com/office/drawing/2014/main" id="{AB45FF75-4ED5-1797-1859-4C28183B4211}"/>
+                <a16:creationId xmlns:a16="http://schemas.microsoft.com/office/drawing/2014/main" id="{4B5CC1F8-9018-BF3D-54AD-8DD5A31920CF}"/>
               </a:ext>
             </a:extLst>
           </p:cNvPr>
@@ -290,7 +290,7 @@
           <p:cNvPr id="6" name="灯片编号占位符 5">
             <a:extLst>
               <a:ext uri="{FF2B5EF4-FFF2-40B4-BE49-F238E27FC236}">
-                <a16:creationId xmlns:a16="http://schemas.microsoft.com/office/drawing/2014/main" id="{4724AB33-2610-D827-2D36-1CF05E51B92B}"/>
+                <a16:creationId xmlns:a16="http://schemas.microsoft.com/office/drawing/2014/main" id="{67903ECB-C41D-6223-6C6D-A0510EABB200}"/>
               </a:ext>
             </a:extLst>
           </p:cNvPr>
@@ -306,7 +306,7 @@
           <a:bodyPr/>
           <a:lstStyle/>
           <a:p>
-            <a:fld id="{032B0003-6AD9-4293-A02D-6132D791BC0E}" type="slidenum">
+            <a:fld id="{299B2680-BB47-4BD3-AB71-237D1BF63436}" type="slidenum">
               <a:rPr lang="zh-CN" altLang="en-US" smtClean="0"/>
               <a:t>‹#›</a:t>
             </a:fld>
@@ -317,7 +317,7 @@
     </p:spTree>
     <p:extLst>
       <p:ext uri="{BB962C8B-B14F-4D97-AF65-F5344CB8AC3E}">
-        <p14:creationId xmlns:p14="http://schemas.microsoft.com/office/powerpoint/2010/main" val="3415157819"/>
+        <p14:creationId xmlns:p14="http://schemas.microsoft.com/office/powerpoint/2010/main" val="1263389932"/>
       </p:ext>
     </p:extLst>
   </p:cSld>
@@ -349,7 +349,7 @@
           <p:cNvPr id="2" name="标题 1">
             <a:extLst>
               <a:ext uri="{FF2B5EF4-FFF2-40B4-BE49-F238E27FC236}">
-                <a16:creationId xmlns:a16="http://schemas.microsoft.com/office/drawing/2014/main" id="{760E34BD-9817-1BB8-B61A-CFB6E2C4467A}"/>
+                <a16:creationId xmlns:a16="http://schemas.microsoft.com/office/drawing/2014/main" id="{8782BB4E-2C8A-8841-DFD0-E5A810F784D9}"/>
               </a:ext>
             </a:extLst>
           </p:cNvPr>
@@ -377,7 +377,7 @@
           <p:cNvPr id="3" name="竖排文字占位符 2">
             <a:extLst>
               <a:ext uri="{FF2B5EF4-FFF2-40B4-BE49-F238E27FC236}">
-                <a16:creationId xmlns:a16="http://schemas.microsoft.com/office/drawing/2014/main" id="{A7C255A8-0E8A-F23D-66DB-B1ACD3223A70}"/>
+                <a16:creationId xmlns:a16="http://schemas.microsoft.com/office/drawing/2014/main" id="{F25F8E72-BC6C-51ED-860F-3E3208FCC43F}"/>
               </a:ext>
             </a:extLst>
           </p:cNvPr>
@@ -434,7 +434,7 @@
           <p:cNvPr id="4" name="日期占位符 3">
             <a:extLst>
               <a:ext uri="{FF2B5EF4-FFF2-40B4-BE49-F238E27FC236}">
-                <a16:creationId xmlns:a16="http://schemas.microsoft.com/office/drawing/2014/main" id="{69BE9735-F7E1-DBF7-D651-C4E7C6621785}"/>
+                <a16:creationId xmlns:a16="http://schemas.microsoft.com/office/drawing/2014/main" id="{1F24C90E-3A31-8B2C-A498-2F27A2B01821}"/>
               </a:ext>
             </a:extLst>
           </p:cNvPr>
@@ -450,7 +450,7 @@
           <a:bodyPr/>
           <a:lstStyle/>
           <a:p>
-            <a:fld id="{3D49FD9E-5D97-42BE-A40D-F6DA739D3142}" type="datetimeFigureOut">
+            <a:fld id="{53146874-3451-4FCE-95C4-05D95E764ACA}" type="datetimeFigureOut">
               <a:rPr lang="zh-CN" altLang="en-US" smtClean="0"/>
               <a:t>2024/3/10</a:t>
             </a:fld>
@@ -463,7 +463,7 @@
           <p:cNvPr id="5" name="页脚占位符 4">
             <a:extLst>
               <a:ext uri="{FF2B5EF4-FFF2-40B4-BE49-F238E27FC236}">
-                <a16:creationId xmlns:a16="http://schemas.microsoft.com/office/drawing/2014/main" id="{45C67A80-15D3-52EA-58FD-70EF96E55439}"/>
+                <a16:creationId xmlns:a16="http://schemas.microsoft.com/office/drawing/2014/main" id="{A05A1CBE-033A-55A1-E1DA-34B5E27E6797}"/>
               </a:ext>
             </a:extLst>
           </p:cNvPr>
@@ -488,7 +488,7 @@
           <p:cNvPr id="6" name="灯片编号占位符 5">
             <a:extLst>
               <a:ext uri="{FF2B5EF4-FFF2-40B4-BE49-F238E27FC236}">
-                <a16:creationId xmlns:a16="http://schemas.microsoft.com/office/drawing/2014/main" id="{098DB3C7-7FD1-92AA-5E68-48EBB0D224D1}"/>
+                <a16:creationId xmlns:a16="http://schemas.microsoft.com/office/drawing/2014/main" id="{9F3A6B5C-B0B5-91DB-2A8D-1E66CDAA3BA1}"/>
               </a:ext>
             </a:extLst>
           </p:cNvPr>
@@ -504,7 +504,7 @@
           <a:bodyPr/>
           <a:lstStyle/>
           <a:p>
-            <a:fld id="{032B0003-6AD9-4293-A02D-6132D791BC0E}" type="slidenum">
+            <a:fld id="{299B2680-BB47-4BD3-AB71-237D1BF63436}" type="slidenum">
               <a:rPr lang="zh-CN" altLang="en-US" smtClean="0"/>
               <a:t>‹#›</a:t>
             </a:fld>
@@ -515,7 +515,7 @@
     </p:spTree>
     <p:extLst>
       <p:ext uri="{BB962C8B-B14F-4D97-AF65-F5344CB8AC3E}">
-        <p14:creationId xmlns:p14="http://schemas.microsoft.com/office/powerpoint/2010/main" val="3333222033"/>
+        <p14:creationId xmlns:p14="http://schemas.microsoft.com/office/powerpoint/2010/main" val="190184558"/>
       </p:ext>
     </p:extLst>
   </p:cSld>
@@ -547,7 +547,7 @@
           <p:cNvPr id="2" name="竖排标题 1">
             <a:extLst>
               <a:ext uri="{FF2B5EF4-FFF2-40B4-BE49-F238E27FC236}">
-                <a16:creationId xmlns:a16="http://schemas.microsoft.com/office/drawing/2014/main" id="{99771BEE-87E6-FDBF-437F-21ACF5818C7E}"/>
+                <a16:creationId xmlns:a16="http://schemas.microsoft.com/office/drawing/2014/main" id="{CFF38EAE-A6B3-761B-3525-FA80A5BADB6B}"/>
               </a:ext>
             </a:extLst>
           </p:cNvPr>
@@ -580,7 +580,7 @@
           <p:cNvPr id="3" name="竖排文字占位符 2">
             <a:extLst>
               <a:ext uri="{FF2B5EF4-FFF2-40B4-BE49-F238E27FC236}">
-                <a16:creationId xmlns:a16="http://schemas.microsoft.com/office/drawing/2014/main" id="{D35E8A30-1F1A-4476-67EC-80642EBDFF2E}"/>
+                <a16:creationId xmlns:a16="http://schemas.microsoft.com/office/drawing/2014/main" id="{CA5067B7-6359-586A-A680-D96CDBDD589E}"/>
               </a:ext>
             </a:extLst>
           </p:cNvPr>
@@ -642,7 +642,7 @@
           <p:cNvPr id="4" name="日期占位符 3">
             <a:extLst>
               <a:ext uri="{FF2B5EF4-FFF2-40B4-BE49-F238E27FC236}">
-                <a16:creationId xmlns:a16="http://schemas.microsoft.com/office/drawing/2014/main" id="{FA2DBAA2-0D50-D872-4695-C9D68A671248}"/>
+                <a16:creationId xmlns:a16="http://schemas.microsoft.com/office/drawing/2014/main" id="{51DD1C56-F4C2-2DE6-F724-BBA39A7A6A60}"/>
               </a:ext>
             </a:extLst>
           </p:cNvPr>
@@ -658,7 +658,7 @@
           <a:bodyPr/>
           <a:lstStyle/>
           <a:p>
-            <a:fld id="{3D49FD9E-5D97-42BE-A40D-F6DA739D3142}" type="datetimeFigureOut">
+            <a:fld id="{53146874-3451-4FCE-95C4-05D95E764ACA}" type="datetimeFigureOut">
               <a:rPr lang="zh-CN" altLang="en-US" smtClean="0"/>
               <a:t>2024/3/10</a:t>
             </a:fld>
@@ -671,7 +671,7 @@
           <p:cNvPr id="5" name="页脚占位符 4">
             <a:extLst>
               <a:ext uri="{FF2B5EF4-FFF2-40B4-BE49-F238E27FC236}">
-                <a16:creationId xmlns:a16="http://schemas.microsoft.com/office/drawing/2014/main" id="{F064B2B8-85DF-2AEF-CDD6-547180825165}"/>
+                <a16:creationId xmlns:a16="http://schemas.microsoft.com/office/drawing/2014/main" id="{95B54CBD-86E3-21E1-ABF8-AC1B151C6680}"/>
               </a:ext>
             </a:extLst>
           </p:cNvPr>
@@ -696,7 +696,7 @@
           <p:cNvPr id="6" name="灯片编号占位符 5">
             <a:extLst>
               <a:ext uri="{FF2B5EF4-FFF2-40B4-BE49-F238E27FC236}">
-                <a16:creationId xmlns:a16="http://schemas.microsoft.com/office/drawing/2014/main" id="{2D80D517-DDE4-7E7C-529D-678567892FFD}"/>
+                <a16:creationId xmlns:a16="http://schemas.microsoft.com/office/drawing/2014/main" id="{1ECD27C8-9936-79B1-54D6-74B2DA8A2600}"/>
               </a:ext>
             </a:extLst>
           </p:cNvPr>
@@ -712,7 +712,7 @@
           <a:bodyPr/>
           <a:lstStyle/>
           <a:p>
-            <a:fld id="{032B0003-6AD9-4293-A02D-6132D791BC0E}" type="slidenum">
+            <a:fld id="{299B2680-BB47-4BD3-AB71-237D1BF63436}" type="slidenum">
               <a:rPr lang="zh-CN" altLang="en-US" smtClean="0"/>
               <a:t>‹#›</a:t>
             </a:fld>
@@ -723,7 +723,7 @@
     </p:spTree>
     <p:extLst>
       <p:ext uri="{BB962C8B-B14F-4D97-AF65-F5344CB8AC3E}">
-        <p14:creationId xmlns:p14="http://schemas.microsoft.com/office/powerpoint/2010/main" val="2126831868"/>
+        <p14:creationId xmlns:p14="http://schemas.microsoft.com/office/powerpoint/2010/main" val="3422628549"/>
       </p:ext>
     </p:extLst>
   </p:cSld>
@@ -755,7 +755,7 @@
           <p:cNvPr id="2" name="标题 1">
             <a:extLst>
               <a:ext uri="{FF2B5EF4-FFF2-40B4-BE49-F238E27FC236}">
-                <a16:creationId xmlns:a16="http://schemas.microsoft.com/office/drawing/2014/main" id="{0796AE9C-8572-03B6-5DF6-37065917DB93}"/>
+                <a16:creationId xmlns:a16="http://schemas.microsoft.com/office/drawing/2014/main" id="{CEB8474B-3623-7BB1-5D04-06DC38FD509D}"/>
               </a:ext>
             </a:extLst>
           </p:cNvPr>
@@ -783,7 +783,7 @@
           <p:cNvPr id="3" name="内容占位符 2">
             <a:extLst>
               <a:ext uri="{FF2B5EF4-FFF2-40B4-BE49-F238E27FC236}">
-                <a16:creationId xmlns:a16="http://schemas.microsoft.com/office/drawing/2014/main" id="{C5FF896E-4F72-3E24-8174-D3EF4ECB48DA}"/>
+                <a16:creationId xmlns:a16="http://schemas.microsoft.com/office/drawing/2014/main" id="{36550A47-9B77-5246-F7BE-90C509C277B6}"/>
               </a:ext>
             </a:extLst>
           </p:cNvPr>
@@ -840,7 +840,7 @@
           <p:cNvPr id="4" name="日期占位符 3">
             <a:extLst>
               <a:ext uri="{FF2B5EF4-FFF2-40B4-BE49-F238E27FC236}">
-                <a16:creationId xmlns:a16="http://schemas.microsoft.com/office/drawing/2014/main" id="{0CE646AE-27D7-2931-A82E-F977498D38CA}"/>
+                <a16:creationId xmlns:a16="http://schemas.microsoft.com/office/drawing/2014/main" id="{5DD26EB9-1B62-09A6-60B1-A374DA9D6DC1}"/>
               </a:ext>
             </a:extLst>
           </p:cNvPr>
@@ -856,7 +856,7 @@
           <a:bodyPr/>
           <a:lstStyle/>
           <a:p>
-            <a:fld id="{3D49FD9E-5D97-42BE-A40D-F6DA739D3142}" type="datetimeFigureOut">
+            <a:fld id="{53146874-3451-4FCE-95C4-05D95E764ACA}" type="datetimeFigureOut">
               <a:rPr lang="zh-CN" altLang="en-US" smtClean="0"/>
               <a:t>2024/3/10</a:t>
             </a:fld>
@@ -869,7 +869,7 @@
           <p:cNvPr id="5" name="页脚占位符 4">
             <a:extLst>
               <a:ext uri="{FF2B5EF4-FFF2-40B4-BE49-F238E27FC236}">
-                <a16:creationId xmlns:a16="http://schemas.microsoft.com/office/drawing/2014/main" id="{AA3C1BD2-A502-7456-9026-E508DC779891}"/>
+                <a16:creationId xmlns:a16="http://schemas.microsoft.com/office/drawing/2014/main" id="{B79FA62A-02E7-F228-EAE1-1AC03190CF2A}"/>
               </a:ext>
             </a:extLst>
           </p:cNvPr>
@@ -894,7 +894,7 @@
           <p:cNvPr id="6" name="灯片编号占位符 5">
             <a:extLst>
               <a:ext uri="{FF2B5EF4-FFF2-40B4-BE49-F238E27FC236}">
-                <a16:creationId xmlns:a16="http://schemas.microsoft.com/office/drawing/2014/main" id="{7A33ADCC-2EDB-8C68-10D8-E4E87EBA282A}"/>
+                <a16:creationId xmlns:a16="http://schemas.microsoft.com/office/drawing/2014/main" id="{55575320-3D4B-6522-0AA8-533852C8CE0B}"/>
               </a:ext>
             </a:extLst>
           </p:cNvPr>
@@ -910,7 +910,7 @@
           <a:bodyPr/>
           <a:lstStyle/>
           <a:p>
-            <a:fld id="{032B0003-6AD9-4293-A02D-6132D791BC0E}" type="slidenum">
+            <a:fld id="{299B2680-BB47-4BD3-AB71-237D1BF63436}" type="slidenum">
               <a:rPr lang="zh-CN" altLang="en-US" smtClean="0"/>
               <a:t>‹#›</a:t>
             </a:fld>
@@ -921,7 +921,7 @@
     </p:spTree>
     <p:extLst>
       <p:ext uri="{BB962C8B-B14F-4D97-AF65-F5344CB8AC3E}">
-        <p14:creationId xmlns:p14="http://schemas.microsoft.com/office/powerpoint/2010/main" val="608323972"/>
+        <p14:creationId xmlns:p14="http://schemas.microsoft.com/office/powerpoint/2010/main" val="1323000143"/>
       </p:ext>
     </p:extLst>
   </p:cSld>
@@ -953,7 +953,7 @@
           <p:cNvPr id="2" name="标题 1">
             <a:extLst>
               <a:ext uri="{FF2B5EF4-FFF2-40B4-BE49-F238E27FC236}">
-                <a16:creationId xmlns:a16="http://schemas.microsoft.com/office/drawing/2014/main" id="{04CC7335-5D15-8C2D-07EB-43D959EBE3E7}"/>
+                <a16:creationId xmlns:a16="http://schemas.microsoft.com/office/drawing/2014/main" id="{CE85478C-2BF0-0C8F-6845-A3168CC2CB87}"/>
               </a:ext>
             </a:extLst>
           </p:cNvPr>
@@ -990,7 +990,7 @@
           <p:cNvPr id="3" name="文本占位符 2">
             <a:extLst>
               <a:ext uri="{FF2B5EF4-FFF2-40B4-BE49-F238E27FC236}">
-                <a16:creationId xmlns:a16="http://schemas.microsoft.com/office/drawing/2014/main" id="{0703961A-16F1-EF00-407B-F7DFA91CC6CC}"/>
+                <a16:creationId xmlns:a16="http://schemas.microsoft.com/office/drawing/2014/main" id="{FFEDCB37-073D-1956-B560-3150F6546618}"/>
               </a:ext>
             </a:extLst>
           </p:cNvPr>
@@ -1115,7 +1115,7 @@
           <p:cNvPr id="4" name="日期占位符 3">
             <a:extLst>
               <a:ext uri="{FF2B5EF4-FFF2-40B4-BE49-F238E27FC236}">
-                <a16:creationId xmlns:a16="http://schemas.microsoft.com/office/drawing/2014/main" id="{420BB889-890F-30E8-81FB-3ECBFE714DFC}"/>
+                <a16:creationId xmlns:a16="http://schemas.microsoft.com/office/drawing/2014/main" id="{D2766AC4-4F7A-DDC7-8D0B-0018C4FED97E}"/>
               </a:ext>
             </a:extLst>
           </p:cNvPr>
@@ -1131,7 +1131,7 @@
           <a:bodyPr/>
           <a:lstStyle/>
           <a:p>
-            <a:fld id="{3D49FD9E-5D97-42BE-A40D-F6DA739D3142}" type="datetimeFigureOut">
+            <a:fld id="{53146874-3451-4FCE-95C4-05D95E764ACA}" type="datetimeFigureOut">
               <a:rPr lang="zh-CN" altLang="en-US" smtClean="0"/>
               <a:t>2024/3/10</a:t>
             </a:fld>
@@ -1144,7 +1144,7 @@
           <p:cNvPr id="5" name="页脚占位符 4">
             <a:extLst>
               <a:ext uri="{FF2B5EF4-FFF2-40B4-BE49-F238E27FC236}">
-                <a16:creationId xmlns:a16="http://schemas.microsoft.com/office/drawing/2014/main" id="{C4B57868-121A-8789-153E-28ADE5EE5E8B}"/>
+                <a16:creationId xmlns:a16="http://schemas.microsoft.com/office/drawing/2014/main" id="{93B26E3A-12BE-9210-CC99-0AC90273AB09}"/>
               </a:ext>
             </a:extLst>
           </p:cNvPr>
@@ -1169,7 +1169,7 @@
           <p:cNvPr id="6" name="灯片编号占位符 5">
             <a:extLst>
               <a:ext uri="{FF2B5EF4-FFF2-40B4-BE49-F238E27FC236}">
-                <a16:creationId xmlns:a16="http://schemas.microsoft.com/office/drawing/2014/main" id="{81ED37A1-2D6B-D9F7-4E8F-C9564F6655F2}"/>
+                <a16:creationId xmlns:a16="http://schemas.microsoft.com/office/drawing/2014/main" id="{DE70F427-8B7A-306A-8487-1790B09024BE}"/>
               </a:ext>
             </a:extLst>
           </p:cNvPr>
@@ -1185,7 +1185,7 @@
           <a:bodyPr/>
           <a:lstStyle/>
           <a:p>
-            <a:fld id="{032B0003-6AD9-4293-A02D-6132D791BC0E}" type="slidenum">
+            <a:fld id="{299B2680-BB47-4BD3-AB71-237D1BF63436}" type="slidenum">
               <a:rPr lang="zh-CN" altLang="en-US" smtClean="0"/>
               <a:t>‹#›</a:t>
             </a:fld>
@@ -1196,7 +1196,7 @@
     </p:spTree>
     <p:extLst>
       <p:ext uri="{BB962C8B-B14F-4D97-AF65-F5344CB8AC3E}">
-        <p14:creationId xmlns:p14="http://schemas.microsoft.com/office/powerpoint/2010/main" val="2756254247"/>
+        <p14:creationId xmlns:p14="http://schemas.microsoft.com/office/powerpoint/2010/main" val="3723356759"/>
       </p:ext>
     </p:extLst>
   </p:cSld>
@@ -1228,7 +1228,7 @@
           <p:cNvPr id="2" name="标题 1">
             <a:extLst>
               <a:ext uri="{FF2B5EF4-FFF2-40B4-BE49-F238E27FC236}">
-                <a16:creationId xmlns:a16="http://schemas.microsoft.com/office/drawing/2014/main" id="{F9B35FB6-8230-C38B-E3C7-8F24332967B7}"/>
+                <a16:creationId xmlns:a16="http://schemas.microsoft.com/office/drawing/2014/main" id="{4DDCFD50-EC35-7F75-90FD-93BD4E1FE594}"/>
               </a:ext>
             </a:extLst>
           </p:cNvPr>
@@ -1256,7 +1256,7 @@
           <p:cNvPr id="3" name="内容占位符 2">
             <a:extLst>
               <a:ext uri="{FF2B5EF4-FFF2-40B4-BE49-F238E27FC236}">
-                <a16:creationId xmlns:a16="http://schemas.microsoft.com/office/drawing/2014/main" id="{7EE9B235-CBC6-F13B-B41F-220057257C7D}"/>
+                <a16:creationId xmlns:a16="http://schemas.microsoft.com/office/drawing/2014/main" id="{65E9FC2E-8591-7A69-AA91-D883F4C5E684}"/>
               </a:ext>
             </a:extLst>
           </p:cNvPr>
@@ -1318,7 +1318,7 @@
           <p:cNvPr id="4" name="内容占位符 3">
             <a:extLst>
               <a:ext uri="{FF2B5EF4-FFF2-40B4-BE49-F238E27FC236}">
-                <a16:creationId xmlns:a16="http://schemas.microsoft.com/office/drawing/2014/main" id="{2252A0AF-D31F-AD0B-7334-00C0D22FD41B}"/>
+                <a16:creationId xmlns:a16="http://schemas.microsoft.com/office/drawing/2014/main" id="{169857D9-9665-9E27-0323-3F9273F9F7BF}"/>
               </a:ext>
             </a:extLst>
           </p:cNvPr>
@@ -1380,7 +1380,7 @@
           <p:cNvPr id="5" name="日期占位符 4">
             <a:extLst>
               <a:ext uri="{FF2B5EF4-FFF2-40B4-BE49-F238E27FC236}">
-                <a16:creationId xmlns:a16="http://schemas.microsoft.com/office/drawing/2014/main" id="{4CA1D74B-193F-552D-5297-60E7EF61D650}"/>
+                <a16:creationId xmlns:a16="http://schemas.microsoft.com/office/drawing/2014/main" id="{9BB4F3C7-E47B-81FA-FEF4-8F930332979F}"/>
               </a:ext>
             </a:extLst>
           </p:cNvPr>
@@ -1396,7 +1396,7 @@
           <a:bodyPr/>
           <a:lstStyle/>
           <a:p>
-            <a:fld id="{3D49FD9E-5D97-42BE-A40D-F6DA739D3142}" type="datetimeFigureOut">
+            <a:fld id="{53146874-3451-4FCE-95C4-05D95E764ACA}" type="datetimeFigureOut">
               <a:rPr lang="zh-CN" altLang="en-US" smtClean="0"/>
               <a:t>2024/3/10</a:t>
             </a:fld>
@@ -1409,7 +1409,7 @@
           <p:cNvPr id="6" name="页脚占位符 5">
             <a:extLst>
               <a:ext uri="{FF2B5EF4-FFF2-40B4-BE49-F238E27FC236}">
-                <a16:creationId xmlns:a16="http://schemas.microsoft.com/office/drawing/2014/main" id="{38A225EA-858F-3B62-2222-3D30489899B9}"/>
+                <a16:creationId xmlns:a16="http://schemas.microsoft.com/office/drawing/2014/main" id="{C5D8B245-0793-B135-6D6E-F25D4ED80BA7}"/>
               </a:ext>
             </a:extLst>
           </p:cNvPr>
@@ -1434,7 +1434,7 @@
           <p:cNvPr id="7" name="灯片编号占位符 6">
             <a:extLst>
               <a:ext uri="{FF2B5EF4-FFF2-40B4-BE49-F238E27FC236}">
-                <a16:creationId xmlns:a16="http://schemas.microsoft.com/office/drawing/2014/main" id="{3CBD1086-76BA-4062-6C4C-5E46670297B7}"/>
+                <a16:creationId xmlns:a16="http://schemas.microsoft.com/office/drawing/2014/main" id="{7DE49E59-6B78-C468-0603-3F9CAD45A9D8}"/>
               </a:ext>
             </a:extLst>
           </p:cNvPr>
@@ -1450,7 +1450,7 @@
           <a:bodyPr/>
           <a:lstStyle/>
           <a:p>
-            <a:fld id="{032B0003-6AD9-4293-A02D-6132D791BC0E}" type="slidenum">
+            <a:fld id="{299B2680-BB47-4BD3-AB71-237D1BF63436}" type="slidenum">
               <a:rPr lang="zh-CN" altLang="en-US" smtClean="0"/>
               <a:t>‹#›</a:t>
             </a:fld>
@@ -1461,7 +1461,7 @@
     </p:spTree>
     <p:extLst>
       <p:ext uri="{BB962C8B-B14F-4D97-AF65-F5344CB8AC3E}">
-        <p14:creationId xmlns:p14="http://schemas.microsoft.com/office/powerpoint/2010/main" val="3526019063"/>
+        <p14:creationId xmlns:p14="http://schemas.microsoft.com/office/powerpoint/2010/main" val="208963584"/>
       </p:ext>
     </p:extLst>
   </p:cSld>
@@ -1493,7 +1493,7 @@
           <p:cNvPr id="2" name="标题 1">
             <a:extLst>
               <a:ext uri="{FF2B5EF4-FFF2-40B4-BE49-F238E27FC236}">
-                <a16:creationId xmlns:a16="http://schemas.microsoft.com/office/drawing/2014/main" id="{B189BEB8-ECCC-96A1-A442-64192954918E}"/>
+                <a16:creationId xmlns:a16="http://schemas.microsoft.com/office/drawing/2014/main" id="{3A6DE331-981A-97A2-44DE-824C77EC194C}"/>
               </a:ext>
             </a:extLst>
           </p:cNvPr>
@@ -1526,7 +1526,7 @@
           <p:cNvPr id="3" name="文本占位符 2">
             <a:extLst>
               <a:ext uri="{FF2B5EF4-FFF2-40B4-BE49-F238E27FC236}">
-                <a16:creationId xmlns:a16="http://schemas.microsoft.com/office/drawing/2014/main" id="{3F7273CC-27B7-5C2B-D545-B89EEDF2D30D}"/>
+                <a16:creationId xmlns:a16="http://schemas.microsoft.com/office/drawing/2014/main" id="{3CFF7D18-C576-014A-F6AD-F631BE6A00C1}"/>
               </a:ext>
             </a:extLst>
           </p:cNvPr>
@@ -1597,7 +1597,7 @@
           <p:cNvPr id="4" name="内容占位符 3">
             <a:extLst>
               <a:ext uri="{FF2B5EF4-FFF2-40B4-BE49-F238E27FC236}">
-                <a16:creationId xmlns:a16="http://schemas.microsoft.com/office/drawing/2014/main" id="{0E2A272F-6860-7B0E-89D7-E8010EB9B5F8}"/>
+                <a16:creationId xmlns:a16="http://schemas.microsoft.com/office/drawing/2014/main" id="{33C3D497-1CB8-B4B5-9A08-54A5B8D8A86D}"/>
               </a:ext>
             </a:extLst>
           </p:cNvPr>
@@ -1659,7 +1659,7 @@
           <p:cNvPr id="5" name="文本占位符 4">
             <a:extLst>
               <a:ext uri="{FF2B5EF4-FFF2-40B4-BE49-F238E27FC236}">
-                <a16:creationId xmlns:a16="http://schemas.microsoft.com/office/drawing/2014/main" id="{7973077F-115D-264F-2AAC-F7FE2BB86D62}"/>
+                <a16:creationId xmlns:a16="http://schemas.microsoft.com/office/drawing/2014/main" id="{94DB7AAB-C35A-DA2D-7C3F-385C5B07E35A}"/>
               </a:ext>
             </a:extLst>
           </p:cNvPr>
@@ -1730,7 +1730,7 @@
           <p:cNvPr id="6" name="内容占位符 5">
             <a:extLst>
               <a:ext uri="{FF2B5EF4-FFF2-40B4-BE49-F238E27FC236}">
-                <a16:creationId xmlns:a16="http://schemas.microsoft.com/office/drawing/2014/main" id="{A523AD2E-EDC0-F6D6-81A7-8F4303C9A853}"/>
+                <a16:creationId xmlns:a16="http://schemas.microsoft.com/office/drawing/2014/main" id="{5BBB0029-07F4-D561-078E-BC7D3351F062}"/>
               </a:ext>
             </a:extLst>
           </p:cNvPr>
@@ -1792,7 +1792,7 @@
           <p:cNvPr id="7" name="日期占位符 6">
             <a:extLst>
               <a:ext uri="{FF2B5EF4-FFF2-40B4-BE49-F238E27FC236}">
-                <a16:creationId xmlns:a16="http://schemas.microsoft.com/office/drawing/2014/main" id="{B36BEF55-4ABB-4E34-173A-3627C2D42636}"/>
+                <a16:creationId xmlns:a16="http://schemas.microsoft.com/office/drawing/2014/main" id="{AF360A51-7958-8921-3674-844E63E45752}"/>
               </a:ext>
             </a:extLst>
           </p:cNvPr>
@@ -1808,7 +1808,7 @@
           <a:bodyPr/>
           <a:lstStyle/>
           <a:p>
-            <a:fld id="{3D49FD9E-5D97-42BE-A40D-F6DA739D3142}" type="datetimeFigureOut">
+            <a:fld id="{53146874-3451-4FCE-95C4-05D95E764ACA}" type="datetimeFigureOut">
               <a:rPr lang="zh-CN" altLang="en-US" smtClean="0"/>
               <a:t>2024/3/10</a:t>
             </a:fld>
@@ -1821,7 +1821,7 @@
           <p:cNvPr id="8" name="页脚占位符 7">
             <a:extLst>
               <a:ext uri="{FF2B5EF4-FFF2-40B4-BE49-F238E27FC236}">
-                <a16:creationId xmlns:a16="http://schemas.microsoft.com/office/drawing/2014/main" id="{07998787-612D-5A62-B2B4-1FB415AADA39}"/>
+                <a16:creationId xmlns:a16="http://schemas.microsoft.com/office/drawing/2014/main" id="{34D160CF-7E43-2C41-5029-94B978C9FB3F}"/>
               </a:ext>
             </a:extLst>
           </p:cNvPr>
@@ -1846,7 +1846,7 @@
           <p:cNvPr id="9" name="灯片编号占位符 8">
             <a:extLst>
               <a:ext uri="{FF2B5EF4-FFF2-40B4-BE49-F238E27FC236}">
-                <a16:creationId xmlns:a16="http://schemas.microsoft.com/office/drawing/2014/main" id="{8017BBE8-07CD-3E1E-B582-62EAB17CDE8F}"/>
+                <a16:creationId xmlns:a16="http://schemas.microsoft.com/office/drawing/2014/main" id="{C01F71DE-CE7D-2606-7313-631288B812BF}"/>
               </a:ext>
             </a:extLst>
           </p:cNvPr>
@@ -1862,7 +1862,7 @@
           <a:bodyPr/>
           <a:lstStyle/>
           <a:p>
-            <a:fld id="{032B0003-6AD9-4293-A02D-6132D791BC0E}" type="slidenum">
+            <a:fld id="{299B2680-BB47-4BD3-AB71-237D1BF63436}" type="slidenum">
               <a:rPr lang="zh-CN" altLang="en-US" smtClean="0"/>
               <a:t>‹#›</a:t>
             </a:fld>
@@ -1873,7 +1873,7 @@
     </p:spTree>
     <p:extLst>
       <p:ext uri="{BB962C8B-B14F-4D97-AF65-F5344CB8AC3E}">
-        <p14:creationId xmlns:p14="http://schemas.microsoft.com/office/powerpoint/2010/main" val="2922235784"/>
+        <p14:creationId xmlns:p14="http://schemas.microsoft.com/office/powerpoint/2010/main" val="56734524"/>
       </p:ext>
     </p:extLst>
   </p:cSld>
@@ -1905,7 +1905,7 @@
           <p:cNvPr id="2" name="标题 1">
             <a:extLst>
               <a:ext uri="{FF2B5EF4-FFF2-40B4-BE49-F238E27FC236}">
-                <a16:creationId xmlns:a16="http://schemas.microsoft.com/office/drawing/2014/main" id="{CD2F30EC-7B73-F2FF-B58E-A7477E161A0E}"/>
+                <a16:creationId xmlns:a16="http://schemas.microsoft.com/office/drawing/2014/main" id="{AF774F03-08D1-9B05-B7AA-C931E852969C}"/>
               </a:ext>
             </a:extLst>
           </p:cNvPr>
@@ -1933,7 +1933,7 @@
           <p:cNvPr id="3" name="日期占位符 2">
             <a:extLst>
               <a:ext uri="{FF2B5EF4-FFF2-40B4-BE49-F238E27FC236}">
-                <a16:creationId xmlns:a16="http://schemas.microsoft.com/office/drawing/2014/main" id="{807779C0-A13F-FC04-E0BD-B9F0D262B6E9}"/>
+                <a16:creationId xmlns:a16="http://schemas.microsoft.com/office/drawing/2014/main" id="{3D771437-EE6C-395A-282D-CF844FDFAEC1}"/>
               </a:ext>
             </a:extLst>
           </p:cNvPr>
@@ -1949,7 +1949,7 @@
           <a:bodyPr/>
           <a:lstStyle/>
           <a:p>
-            <a:fld id="{3D49FD9E-5D97-42BE-A40D-F6DA739D3142}" type="datetimeFigureOut">
+            <a:fld id="{53146874-3451-4FCE-95C4-05D95E764ACA}" type="datetimeFigureOut">
               <a:rPr lang="zh-CN" altLang="en-US" smtClean="0"/>
               <a:t>2024/3/10</a:t>
             </a:fld>
@@ -1962,7 +1962,7 @@
           <p:cNvPr id="4" name="页脚占位符 3">
             <a:extLst>
               <a:ext uri="{FF2B5EF4-FFF2-40B4-BE49-F238E27FC236}">
-                <a16:creationId xmlns:a16="http://schemas.microsoft.com/office/drawing/2014/main" id="{A4C49D52-5D34-7500-2B4C-9D368EC35DFA}"/>
+                <a16:creationId xmlns:a16="http://schemas.microsoft.com/office/drawing/2014/main" id="{84A89E8F-0DBD-E396-0A6B-A43531CFDA1B}"/>
               </a:ext>
             </a:extLst>
           </p:cNvPr>
@@ -1987,7 +1987,7 @@
           <p:cNvPr id="5" name="灯片编号占位符 4">
             <a:extLst>
               <a:ext uri="{FF2B5EF4-FFF2-40B4-BE49-F238E27FC236}">
-                <a16:creationId xmlns:a16="http://schemas.microsoft.com/office/drawing/2014/main" id="{D9BD3A03-3C13-582A-FBC1-A15F1A1742EE}"/>
+                <a16:creationId xmlns:a16="http://schemas.microsoft.com/office/drawing/2014/main" id="{3365B61C-8380-FE17-094F-A7A9053FD39B}"/>
               </a:ext>
             </a:extLst>
           </p:cNvPr>
@@ -2003,7 +2003,7 @@
           <a:bodyPr/>
           <a:lstStyle/>
           <a:p>
-            <a:fld id="{032B0003-6AD9-4293-A02D-6132D791BC0E}" type="slidenum">
+            <a:fld id="{299B2680-BB47-4BD3-AB71-237D1BF63436}" type="slidenum">
               <a:rPr lang="zh-CN" altLang="en-US" smtClean="0"/>
               <a:t>‹#›</a:t>
             </a:fld>
@@ -2014,7 +2014,7 @@
     </p:spTree>
     <p:extLst>
       <p:ext uri="{BB962C8B-B14F-4D97-AF65-F5344CB8AC3E}">
-        <p14:creationId xmlns:p14="http://schemas.microsoft.com/office/powerpoint/2010/main" val="3864614212"/>
+        <p14:creationId xmlns:p14="http://schemas.microsoft.com/office/powerpoint/2010/main" val="2025095287"/>
       </p:ext>
     </p:extLst>
   </p:cSld>
@@ -2046,7 +2046,7 @@
           <p:cNvPr id="2" name="日期占位符 1">
             <a:extLst>
               <a:ext uri="{FF2B5EF4-FFF2-40B4-BE49-F238E27FC236}">
-                <a16:creationId xmlns:a16="http://schemas.microsoft.com/office/drawing/2014/main" id="{13EDC58C-4F30-95C5-07CD-5656A7B62743}"/>
+                <a16:creationId xmlns:a16="http://schemas.microsoft.com/office/drawing/2014/main" id="{6EB76996-2833-A759-4DC4-B2F01F3F46F2}"/>
               </a:ext>
             </a:extLst>
           </p:cNvPr>
@@ -2062,7 +2062,7 @@
           <a:bodyPr/>
           <a:lstStyle/>
           <a:p>
-            <a:fld id="{3D49FD9E-5D97-42BE-A40D-F6DA739D3142}" type="datetimeFigureOut">
+            <a:fld id="{53146874-3451-4FCE-95C4-05D95E764ACA}" type="datetimeFigureOut">
               <a:rPr lang="zh-CN" altLang="en-US" smtClean="0"/>
               <a:t>2024/3/10</a:t>
             </a:fld>
@@ -2075,7 +2075,7 @@
           <p:cNvPr id="3" name="页脚占位符 2">
             <a:extLst>
               <a:ext uri="{FF2B5EF4-FFF2-40B4-BE49-F238E27FC236}">
-                <a16:creationId xmlns:a16="http://schemas.microsoft.com/office/drawing/2014/main" id="{A4FB426C-12FD-8BDC-CA41-9B500CE3F591}"/>
+                <a16:creationId xmlns:a16="http://schemas.microsoft.com/office/drawing/2014/main" id="{1409B8BF-68EE-31C0-F951-E2B7EB7B95A5}"/>
               </a:ext>
             </a:extLst>
           </p:cNvPr>
@@ -2100,7 +2100,7 @@
           <p:cNvPr id="4" name="灯片编号占位符 3">
             <a:extLst>
               <a:ext uri="{FF2B5EF4-FFF2-40B4-BE49-F238E27FC236}">
-                <a16:creationId xmlns:a16="http://schemas.microsoft.com/office/drawing/2014/main" id="{6CE16188-E101-F037-D82A-B9EF5DFB5C2D}"/>
+                <a16:creationId xmlns:a16="http://schemas.microsoft.com/office/drawing/2014/main" id="{F2DA4773-32A2-365C-614A-4B0F0B95168C}"/>
               </a:ext>
             </a:extLst>
           </p:cNvPr>
@@ -2116,7 +2116,7 @@
           <a:bodyPr/>
           <a:lstStyle/>
           <a:p>
-            <a:fld id="{032B0003-6AD9-4293-A02D-6132D791BC0E}" type="slidenum">
+            <a:fld id="{299B2680-BB47-4BD3-AB71-237D1BF63436}" type="slidenum">
               <a:rPr lang="zh-CN" altLang="en-US" smtClean="0"/>
               <a:t>‹#›</a:t>
             </a:fld>
@@ -2127,7 +2127,7 @@
     </p:spTree>
     <p:extLst>
       <p:ext uri="{BB962C8B-B14F-4D97-AF65-F5344CB8AC3E}">
-        <p14:creationId xmlns:p14="http://schemas.microsoft.com/office/powerpoint/2010/main" val="2666044791"/>
+        <p14:creationId xmlns:p14="http://schemas.microsoft.com/office/powerpoint/2010/main" val="3360198698"/>
       </p:ext>
     </p:extLst>
   </p:cSld>
@@ -2159,7 +2159,7 @@
           <p:cNvPr id="2" name="标题 1">
             <a:extLst>
               <a:ext uri="{FF2B5EF4-FFF2-40B4-BE49-F238E27FC236}">
-                <a16:creationId xmlns:a16="http://schemas.microsoft.com/office/drawing/2014/main" id="{F81C6796-CE46-E7AB-61F8-FE5FF112BFAF}"/>
+                <a16:creationId xmlns:a16="http://schemas.microsoft.com/office/drawing/2014/main" id="{B15AC926-498A-2266-A389-6D3D2F1A5477}"/>
               </a:ext>
             </a:extLst>
           </p:cNvPr>
@@ -2196,7 +2196,7 @@
           <p:cNvPr id="3" name="内容占位符 2">
             <a:extLst>
               <a:ext uri="{FF2B5EF4-FFF2-40B4-BE49-F238E27FC236}">
-                <a16:creationId xmlns:a16="http://schemas.microsoft.com/office/drawing/2014/main" id="{65F943B7-C507-8DF7-FFB0-5384C6E0A9E7}"/>
+                <a16:creationId xmlns:a16="http://schemas.microsoft.com/office/drawing/2014/main" id="{5B86395C-8C63-0016-904B-45EF505FCAD2}"/>
               </a:ext>
             </a:extLst>
           </p:cNvPr>
@@ -2286,7 +2286,7 @@
           <p:cNvPr id="4" name="文本占位符 3">
             <a:extLst>
               <a:ext uri="{FF2B5EF4-FFF2-40B4-BE49-F238E27FC236}">
-                <a16:creationId xmlns:a16="http://schemas.microsoft.com/office/drawing/2014/main" id="{A839B7C0-717C-80AD-53F9-9D25FE0DF161}"/>
+                <a16:creationId xmlns:a16="http://schemas.microsoft.com/office/drawing/2014/main" id="{72EEC0DB-BD0F-542D-3E18-BACD5B653FF9}"/>
               </a:ext>
             </a:extLst>
           </p:cNvPr>
@@ -2357,7 +2357,7 @@
           <p:cNvPr id="5" name="日期占位符 4">
             <a:extLst>
               <a:ext uri="{FF2B5EF4-FFF2-40B4-BE49-F238E27FC236}">
-                <a16:creationId xmlns:a16="http://schemas.microsoft.com/office/drawing/2014/main" id="{C3D17341-446D-099E-1579-78FDBBE329D5}"/>
+                <a16:creationId xmlns:a16="http://schemas.microsoft.com/office/drawing/2014/main" id="{DAB24409-75C7-4278-125C-5B3079C0D7FA}"/>
               </a:ext>
             </a:extLst>
           </p:cNvPr>
@@ -2373,7 +2373,7 @@
           <a:bodyPr/>
           <a:lstStyle/>
           <a:p>
-            <a:fld id="{3D49FD9E-5D97-42BE-A40D-F6DA739D3142}" type="datetimeFigureOut">
+            <a:fld id="{53146874-3451-4FCE-95C4-05D95E764ACA}" type="datetimeFigureOut">
               <a:rPr lang="zh-CN" altLang="en-US" smtClean="0"/>
               <a:t>2024/3/10</a:t>
             </a:fld>
@@ -2386,7 +2386,7 @@
           <p:cNvPr id="6" name="页脚占位符 5">
             <a:extLst>
               <a:ext uri="{FF2B5EF4-FFF2-40B4-BE49-F238E27FC236}">
-                <a16:creationId xmlns:a16="http://schemas.microsoft.com/office/drawing/2014/main" id="{CC3059A6-EBFE-B5DC-C73E-14815FC656EA}"/>
+                <a16:creationId xmlns:a16="http://schemas.microsoft.com/office/drawing/2014/main" id="{D88AE104-C6D9-695B-D049-3F513D256361}"/>
               </a:ext>
             </a:extLst>
           </p:cNvPr>
@@ -2411,7 +2411,7 @@
           <p:cNvPr id="7" name="灯片编号占位符 6">
             <a:extLst>
               <a:ext uri="{FF2B5EF4-FFF2-40B4-BE49-F238E27FC236}">
-                <a16:creationId xmlns:a16="http://schemas.microsoft.com/office/drawing/2014/main" id="{6FF5AEFD-EB41-5012-6203-E23542D08FCB}"/>
+                <a16:creationId xmlns:a16="http://schemas.microsoft.com/office/drawing/2014/main" id="{01A3EF64-FA55-EB56-DEAD-5F675846EF4D}"/>
               </a:ext>
             </a:extLst>
           </p:cNvPr>
@@ -2427,7 +2427,7 @@
           <a:bodyPr/>
           <a:lstStyle/>
           <a:p>
-            <a:fld id="{032B0003-6AD9-4293-A02D-6132D791BC0E}" type="slidenum">
+            <a:fld id="{299B2680-BB47-4BD3-AB71-237D1BF63436}" type="slidenum">
               <a:rPr lang="zh-CN" altLang="en-US" smtClean="0"/>
               <a:t>‹#›</a:t>
             </a:fld>
@@ -2438,7 +2438,7 @@
     </p:spTree>
     <p:extLst>
       <p:ext uri="{BB962C8B-B14F-4D97-AF65-F5344CB8AC3E}">
-        <p14:creationId xmlns:p14="http://schemas.microsoft.com/office/powerpoint/2010/main" val="3528728374"/>
+        <p14:creationId xmlns:p14="http://schemas.microsoft.com/office/powerpoint/2010/main" val="2810103136"/>
       </p:ext>
     </p:extLst>
   </p:cSld>
@@ -2470,7 +2470,7 @@
           <p:cNvPr id="2" name="标题 1">
             <a:extLst>
               <a:ext uri="{FF2B5EF4-FFF2-40B4-BE49-F238E27FC236}">
-                <a16:creationId xmlns:a16="http://schemas.microsoft.com/office/drawing/2014/main" id="{9C41D853-A7BD-D223-2E64-90E758D6C110}"/>
+                <a16:creationId xmlns:a16="http://schemas.microsoft.com/office/drawing/2014/main" id="{D1C1841D-2F32-E05A-5CFE-5FE4E80CDE34}"/>
               </a:ext>
             </a:extLst>
           </p:cNvPr>
@@ -2507,7 +2507,7 @@
           <p:cNvPr id="3" name="图片占位符 2">
             <a:extLst>
               <a:ext uri="{FF2B5EF4-FFF2-40B4-BE49-F238E27FC236}">
-                <a16:creationId xmlns:a16="http://schemas.microsoft.com/office/drawing/2014/main" id="{34B44AA6-12DD-8F85-8B8A-CA682451CCCC}"/>
+                <a16:creationId xmlns:a16="http://schemas.microsoft.com/office/drawing/2014/main" id="{7B8C5389-CAA9-63C2-96CB-46505FEBED83}"/>
               </a:ext>
             </a:extLst>
           </p:cNvPr>
@@ -2574,7 +2574,7 @@
           <p:cNvPr id="4" name="文本占位符 3">
             <a:extLst>
               <a:ext uri="{FF2B5EF4-FFF2-40B4-BE49-F238E27FC236}">
-                <a16:creationId xmlns:a16="http://schemas.microsoft.com/office/drawing/2014/main" id="{4816BDC9-89B0-17D7-1D8B-70053B784503}"/>
+                <a16:creationId xmlns:a16="http://schemas.microsoft.com/office/drawing/2014/main" id="{5FCA14B9-5C0F-00A0-6745-4C1F9C2A82F7}"/>
               </a:ext>
             </a:extLst>
           </p:cNvPr>
@@ -2645,7 +2645,7 @@
           <p:cNvPr id="5" name="日期占位符 4">
             <a:extLst>
               <a:ext uri="{FF2B5EF4-FFF2-40B4-BE49-F238E27FC236}">
-                <a16:creationId xmlns:a16="http://schemas.microsoft.com/office/drawing/2014/main" id="{EDB2E383-3C20-DD57-C440-64F1CC00E056}"/>
+                <a16:creationId xmlns:a16="http://schemas.microsoft.com/office/drawing/2014/main" id="{F657A5D0-CD67-130D-8E94-5DBC7B16DF31}"/>
               </a:ext>
             </a:extLst>
           </p:cNvPr>
@@ -2661,7 +2661,7 @@
           <a:bodyPr/>
           <a:lstStyle/>
           <a:p>
-            <a:fld id="{3D49FD9E-5D97-42BE-A40D-F6DA739D3142}" type="datetimeFigureOut">
+            <a:fld id="{53146874-3451-4FCE-95C4-05D95E764ACA}" type="datetimeFigureOut">
               <a:rPr lang="zh-CN" altLang="en-US" smtClean="0"/>
               <a:t>2024/3/10</a:t>
             </a:fld>
@@ -2674,7 +2674,7 @@
           <p:cNvPr id="6" name="页脚占位符 5">
             <a:extLst>
               <a:ext uri="{FF2B5EF4-FFF2-40B4-BE49-F238E27FC236}">
-                <a16:creationId xmlns:a16="http://schemas.microsoft.com/office/drawing/2014/main" id="{F7BA0198-53DE-F1C6-4B9D-ED284BC5F820}"/>
+                <a16:creationId xmlns:a16="http://schemas.microsoft.com/office/drawing/2014/main" id="{D24FA4DF-795B-536F-650B-39B32602F7A9}"/>
               </a:ext>
             </a:extLst>
           </p:cNvPr>
@@ -2699,7 +2699,7 @@
           <p:cNvPr id="7" name="灯片编号占位符 6">
             <a:extLst>
               <a:ext uri="{FF2B5EF4-FFF2-40B4-BE49-F238E27FC236}">
-                <a16:creationId xmlns:a16="http://schemas.microsoft.com/office/drawing/2014/main" id="{A457B30E-BE77-F892-A5C0-836BC8D44B29}"/>
+                <a16:creationId xmlns:a16="http://schemas.microsoft.com/office/drawing/2014/main" id="{248F743F-B1FE-C0F5-6744-73A47F7393F9}"/>
               </a:ext>
             </a:extLst>
           </p:cNvPr>
@@ -2715,7 +2715,7 @@
           <a:bodyPr/>
           <a:lstStyle/>
           <a:p>
-            <a:fld id="{032B0003-6AD9-4293-A02D-6132D791BC0E}" type="slidenum">
+            <a:fld id="{299B2680-BB47-4BD3-AB71-237D1BF63436}" type="slidenum">
               <a:rPr lang="zh-CN" altLang="en-US" smtClean="0"/>
               <a:t>‹#›</a:t>
             </a:fld>
@@ -2726,7 +2726,7 @@
     </p:spTree>
     <p:extLst>
       <p:ext uri="{BB962C8B-B14F-4D97-AF65-F5344CB8AC3E}">
-        <p14:creationId xmlns:p14="http://schemas.microsoft.com/office/powerpoint/2010/main" val="1099893186"/>
+        <p14:creationId xmlns:p14="http://schemas.microsoft.com/office/powerpoint/2010/main" val="2707048082"/>
       </p:ext>
     </p:extLst>
   </p:cSld>
@@ -2763,7 +2763,7 @@
           <p:cNvPr id="2" name="标题占位符 1">
             <a:extLst>
               <a:ext uri="{FF2B5EF4-FFF2-40B4-BE49-F238E27FC236}">
-                <a16:creationId xmlns:a16="http://schemas.microsoft.com/office/drawing/2014/main" id="{CE5FB630-95F4-2875-7FC5-9824DC42EFE6}"/>
+                <a16:creationId xmlns:a16="http://schemas.microsoft.com/office/drawing/2014/main" id="{5D2CEB4D-D61D-D242-88D6-00190CCC9375}"/>
               </a:ext>
             </a:extLst>
           </p:cNvPr>
@@ -2801,7 +2801,7 @@
           <p:cNvPr id="3" name="文本占位符 2">
             <a:extLst>
               <a:ext uri="{FF2B5EF4-FFF2-40B4-BE49-F238E27FC236}">
-                <a16:creationId xmlns:a16="http://schemas.microsoft.com/office/drawing/2014/main" id="{AE388C06-ED81-D694-2D01-B126C48948E6}"/>
+                <a16:creationId xmlns:a16="http://schemas.microsoft.com/office/drawing/2014/main" id="{0EAC4F9A-9CAE-9F3E-2B7E-9366B2A1FEEF}"/>
               </a:ext>
             </a:extLst>
           </p:cNvPr>
@@ -2868,7 +2868,7 @@
           <p:cNvPr id="4" name="日期占位符 3">
             <a:extLst>
               <a:ext uri="{FF2B5EF4-FFF2-40B4-BE49-F238E27FC236}">
-                <a16:creationId xmlns:a16="http://schemas.microsoft.com/office/drawing/2014/main" id="{6B63ED2E-1056-408B-D74B-2ACB90C6C5C0}"/>
+                <a16:creationId xmlns:a16="http://schemas.microsoft.com/office/drawing/2014/main" id="{4D3554FE-DEDC-076F-8BD7-0C34831F864F}"/>
               </a:ext>
             </a:extLst>
           </p:cNvPr>
@@ -2902,7 +2902,7 @@
             </a:lvl1pPr>
           </a:lstStyle>
           <a:p>
-            <a:fld id="{3D49FD9E-5D97-42BE-A40D-F6DA739D3142}" type="datetimeFigureOut">
+            <a:fld id="{53146874-3451-4FCE-95C4-05D95E764ACA}" type="datetimeFigureOut">
               <a:rPr lang="zh-CN" altLang="en-US" smtClean="0"/>
               <a:t>2024/3/10</a:t>
             </a:fld>
@@ -2915,7 +2915,7 @@
           <p:cNvPr id="5" name="页脚占位符 4">
             <a:extLst>
               <a:ext uri="{FF2B5EF4-FFF2-40B4-BE49-F238E27FC236}">
-                <a16:creationId xmlns:a16="http://schemas.microsoft.com/office/drawing/2014/main" id="{12C07089-6545-5D04-0B0E-B2D38D2433C8}"/>
+                <a16:creationId xmlns:a16="http://schemas.microsoft.com/office/drawing/2014/main" id="{578392CA-D57E-0840-EF81-4442A1627650}"/>
               </a:ext>
             </a:extLst>
           </p:cNvPr>
@@ -2958,7 +2958,7 @@
           <p:cNvPr id="6" name="灯片编号占位符 5">
             <a:extLst>
               <a:ext uri="{FF2B5EF4-FFF2-40B4-BE49-F238E27FC236}">
-                <a16:creationId xmlns:a16="http://schemas.microsoft.com/office/drawing/2014/main" id="{CCFADC93-FB6C-89A6-51E9-2310DCC3E3B4}"/>
+                <a16:creationId xmlns:a16="http://schemas.microsoft.com/office/drawing/2014/main" id="{858A70B9-66A7-CB35-7480-D2600DFC0D59}"/>
               </a:ext>
             </a:extLst>
           </p:cNvPr>
@@ -2992,7 +2992,7 @@
             </a:lvl1pPr>
           </a:lstStyle>
           <a:p>
-            <a:fld id="{032B0003-6AD9-4293-A02D-6132D791BC0E}" type="slidenum">
+            <a:fld id="{299B2680-BB47-4BD3-AB71-237D1BF63436}" type="slidenum">
               <a:rPr lang="zh-CN" altLang="en-US" smtClean="0"/>
               <a:t>‹#›</a:t>
             </a:fld>
@@ -3003,7 +3003,7 @@
     </p:spTree>
     <p:extLst>
       <p:ext uri="{BB962C8B-B14F-4D97-AF65-F5344CB8AC3E}">
-        <p14:creationId xmlns:p14="http://schemas.microsoft.com/office/powerpoint/2010/main" val="2579959798"/>
+        <p14:creationId xmlns:p14="http://schemas.microsoft.com/office/powerpoint/2010/main" val="1493804449"/>
       </p:ext>
     </p:extLst>
   </p:cSld>
@@ -3323,7 +3323,7 @@
       </p:grpSpPr>
       <p:pic>
         <p:nvPicPr>
-          <p:cNvPr id="1175554" name="Picture 2" descr="1147"/>
+          <p:cNvPr id="1176578" name="Picture 2" descr="1148"/>
           <p:cNvPicPr>
             <a:picLocks noChangeAspect="1" noChangeArrowheads="1"/>
           </p:cNvPicPr>
@@ -3344,8 +3344,8 @@
         </p:blipFill>
         <p:spPr bwMode="auto">
           <a:xfrm>
-            <a:off x="1524000" y="14288"/>
-            <a:ext cx="9124950" cy="6843712"/>
+            <a:off x="1524000" y="1"/>
+            <a:ext cx="9124950" cy="6843713"/>
           </a:xfrm>
           <a:prstGeom prst="rect">
             <a:avLst/>
